--- a/A01_什么是机器学习/A01什么是机器学习.pptx
+++ b/A01_什么是机器学习/A01什么是机器学习.pptx
@@ -3609,7 +3609,7 @@
           <a:p>
             <a:r>
               <a:rPr lang="zh-CN" altLang="en-US" sz="2800" b="1" dirty="0"/>
-              <a:t>不方便出海的（赚点）：</a:t>
+              <a:t>不方便出海的（赚点资源分）：</a:t>
             </a:r>
             <a:endParaRPr lang="en-US" altLang="zh-CN" sz="2800" b="1" dirty="0"/>
           </a:p>

--- a/A01_什么是机器学习/A01什么是机器学习.pptx
+++ b/A01_什么是机器学习/A01什么是机器学习.pptx
@@ -312,7 +312,7 @@
             <a:fld id="{E3A043CB-43CF-468B-961A-4A55F789C524}" type="datetimeFigureOut">
               <a:rPr lang="zh-CN" altLang="en-US" smtClean="0"/>
               <a:pPr/>
-              <a:t>2020/1/5</a:t>
+              <a:t>2020/1/6</a:t>
             </a:fld>
             <a:endParaRPr lang="zh-CN" altLang="en-US"/>
           </a:p>
@@ -477,7 +477,7 @@
             <a:fld id="{E3A043CB-43CF-468B-961A-4A55F789C524}" type="datetimeFigureOut">
               <a:rPr lang="zh-CN" altLang="en-US" smtClean="0"/>
               <a:pPr/>
-              <a:t>2020/1/5</a:t>
+              <a:t>2020/1/6</a:t>
             </a:fld>
             <a:endParaRPr lang="zh-CN" altLang="en-US"/>
           </a:p>
@@ -652,7 +652,7 @@
             <a:fld id="{E3A043CB-43CF-468B-961A-4A55F789C524}" type="datetimeFigureOut">
               <a:rPr lang="zh-CN" altLang="en-US" smtClean="0"/>
               <a:pPr/>
-              <a:t>2020/1/5</a:t>
+              <a:t>2020/1/6</a:t>
             </a:fld>
             <a:endParaRPr lang="zh-CN" altLang="en-US"/>
           </a:p>
@@ -817,7 +817,7 @@
             <a:fld id="{E3A043CB-43CF-468B-961A-4A55F789C524}" type="datetimeFigureOut">
               <a:rPr lang="zh-CN" altLang="en-US" smtClean="0"/>
               <a:pPr/>
-              <a:t>2020/1/5</a:t>
+              <a:t>2020/1/6</a:t>
             </a:fld>
             <a:endParaRPr lang="zh-CN" altLang="en-US"/>
           </a:p>
@@ -1059,7 +1059,7 @@
             <a:fld id="{E3A043CB-43CF-468B-961A-4A55F789C524}" type="datetimeFigureOut">
               <a:rPr lang="zh-CN" altLang="en-US" smtClean="0"/>
               <a:pPr/>
-              <a:t>2020/1/5</a:t>
+              <a:t>2020/1/6</a:t>
             </a:fld>
             <a:endParaRPr lang="zh-CN" altLang="en-US"/>
           </a:p>
@@ -1341,7 +1341,7 @@
             <a:fld id="{E3A043CB-43CF-468B-961A-4A55F789C524}" type="datetimeFigureOut">
               <a:rPr lang="zh-CN" altLang="en-US" smtClean="0"/>
               <a:pPr/>
-              <a:t>2020/1/5</a:t>
+              <a:t>2020/1/6</a:t>
             </a:fld>
             <a:endParaRPr lang="zh-CN" altLang="en-US"/>
           </a:p>
@@ -1757,7 +1757,7 @@
             <a:fld id="{E3A043CB-43CF-468B-961A-4A55F789C524}" type="datetimeFigureOut">
               <a:rPr lang="zh-CN" altLang="en-US" smtClean="0"/>
               <a:pPr/>
-              <a:t>2020/1/5</a:t>
+              <a:t>2020/1/6</a:t>
             </a:fld>
             <a:endParaRPr lang="zh-CN" altLang="en-US"/>
           </a:p>
@@ -1871,7 +1871,7 @@
             <a:fld id="{E3A043CB-43CF-468B-961A-4A55F789C524}" type="datetimeFigureOut">
               <a:rPr lang="zh-CN" altLang="en-US" smtClean="0"/>
               <a:pPr/>
-              <a:t>2020/1/5</a:t>
+              <a:t>2020/1/6</a:t>
             </a:fld>
             <a:endParaRPr lang="zh-CN" altLang="en-US"/>
           </a:p>
@@ -1963,7 +1963,7 @@
             <a:fld id="{E3A043CB-43CF-468B-961A-4A55F789C524}" type="datetimeFigureOut">
               <a:rPr lang="zh-CN" altLang="en-US" smtClean="0"/>
               <a:pPr/>
-              <a:t>2020/1/5</a:t>
+              <a:t>2020/1/6</a:t>
             </a:fld>
             <a:endParaRPr lang="zh-CN" altLang="en-US"/>
           </a:p>
@@ -2235,7 +2235,7 @@
             <a:fld id="{E3A043CB-43CF-468B-961A-4A55F789C524}" type="datetimeFigureOut">
               <a:rPr lang="zh-CN" altLang="en-US" smtClean="0"/>
               <a:pPr/>
-              <a:t>2020/1/5</a:t>
+              <a:t>2020/1/6</a:t>
             </a:fld>
             <a:endParaRPr lang="zh-CN" altLang="en-US"/>
           </a:p>
@@ -2484,7 +2484,7 @@
             <a:fld id="{E3A043CB-43CF-468B-961A-4A55F789C524}" type="datetimeFigureOut">
               <a:rPr lang="zh-CN" altLang="en-US" smtClean="0"/>
               <a:pPr/>
-              <a:t>2020/1/5</a:t>
+              <a:t>2020/1/6</a:t>
             </a:fld>
             <a:endParaRPr lang="zh-CN" altLang="en-US"/>
           </a:p>
@@ -2692,7 +2692,7 @@
             <a:fld id="{E3A043CB-43CF-468B-961A-4A55F789C524}" type="datetimeFigureOut">
               <a:rPr lang="zh-CN" altLang="en-US" smtClean="0"/>
               <a:pPr/>
-              <a:t>2020/1/5</a:t>
+              <a:t>2020/1/6</a:t>
             </a:fld>
             <a:endParaRPr lang="zh-CN" altLang="en-US"/>
           </a:p>
@@ -3750,16 +3750,32 @@
               <a:t>半径为</a:t>
             </a:r>
             <a:r>
+              <a:rPr lang="en-US" altLang="zh-CN" sz="2400" dirty="0"/>
+              <a:t>%</a:t>
+            </a:r>
+            <a:r>
               <a:rPr lang="en-US" sz="2400" dirty="0"/>
-              <a:t>%d</a:t>
+              <a:t>d</a:t>
             </a:r>
             <a:r>
               <a:rPr lang="zh-CN" altLang="en-US" sz="2400" dirty="0"/>
               <a:t>的圆形周长为：</a:t>
             </a:r>
             <a:r>
+              <a:rPr lang="en-US" altLang="zh-CN" sz="2400" dirty="0"/>
+              <a:t>%</a:t>
+            </a:r>
+            <a:r>
               <a:rPr lang="en-US" sz="2400" dirty="0"/>
-              <a:t>%f",(radius,circle))</a:t>
+              <a:t>f" % (</a:t>
+            </a:r>
+            <a:r>
+              <a:rPr lang="en-US" sz="2400" dirty="0" err="1"/>
+              <a:t>radius,circle</a:t>
+            </a:r>
+            <a:r>
+              <a:rPr lang="en-US" sz="2400"/>
+              <a:t>))</a:t>
             </a:r>
             <a:endParaRPr lang="zh-CN" altLang="en-US" sz="2400" dirty="0"/>
           </a:p>
